--- a/MyPaper/paper/林泉韬.pptx
+++ b/MyPaper/paper/林泉韬.pptx
@@ -12488,7 +12488,7 @@
       </p:sp>
       <p:pic>
         <p:nvPicPr>
-          <p:cNvPr id="-2147482445" name="图片 180" descr="C:\Users\linqt\Desktop\20181213101425_5802hak_www.ssbbww.com.jpg20181213101425_5802hak_www.ssbbww.com"/>
+          <p:cNvPr id="2" name="图片 180" descr="C:\Users\linqt\Desktop\20181213101425_5802hak_www.ssbbww.com.jpg20181213101425_5802hak_www.ssbbww.com"/>
           <p:cNvPicPr>
             <a:picLocks noChangeAspect="1"/>
           </p:cNvPicPr>
@@ -12638,24 +12638,7 @@
                 <a:latin typeface="微软雅黑" panose="020B0503020204020204" pitchFamily="34" charset="-122"/>
                 <a:ea typeface="微软雅黑" panose="020B0503020204020204" pitchFamily="34" charset="-122"/>
               </a:rPr>
-              <a:t>训练数据集：</a:t>
-            </a:r>
-            <a:r>
-              <a:rPr lang="zh-CN" altLang="en-US" sz="2000" b="1" dirty="0" smtClean="0">
-                <a:solidFill>
-                  <a:schemeClr val="tx1"/>
-                </a:solidFill>
-                <a:effectLst>
-                  <a:outerShdw blurRad="38100" dist="38100" dir="2700000" algn="tl">
-                    <a:srgbClr val="000000">
-                      <a:alpha val="43137"/>
-                    </a:srgbClr>
-                  </a:outerShdw>
-                </a:effectLst>
-                <a:latin typeface="微软雅黑" panose="020B0503020204020204" pitchFamily="34" charset="-122"/>
-                <a:ea typeface="微软雅黑" panose="020B0503020204020204" pitchFamily="34" charset="-122"/>
-              </a:rPr>
-              <a:t>2014年09月01日至2014年12月31日和2015年06月01日至2015年07月31日</a:t>
+              <a:t>训练数据集：2014年09月01日至2014年12月31日和2015年06月01日至2015年07月31日</a:t>
             </a:r>
             <a:endParaRPr lang="zh-CN" altLang="en-US" sz="2000" b="1" dirty="0" smtClean="0">
               <a:solidFill>
@@ -13648,11 +13631,7 @@
           <a:p>
             <a:r>
               <a:rPr lang="zh-CN" altLang="en-US"/>
-              <a:t>涨跌子序划分</a:t>
-            </a:r>
-            <a:r>
-              <a:rPr lang="zh-CN" altLang="en-US"/>
-              <a:t>列打标</a:t>
+              <a:t>涨跌子序划分列打标</a:t>
             </a:r>
             <a:endParaRPr lang="zh-CN" altLang="en-US"/>
           </a:p>
@@ -21681,7 +21660,7 @@
       </p:sp>
       <p:pic>
         <p:nvPicPr>
-          <p:cNvPr id="-2147482414" name="图片 -2147482415" descr="C:\Users\linqt\Desktop\新建文件夹 (2)\20181213102133_6113hak_www.ssbbww.com.jpg20181213102133_6113hak_www.ssbbww.com"/>
+          <p:cNvPr id="2" name="图片 -2147482415" descr="C:\Users\linqt\Desktop\新建文件夹 (2)\20181213102133_6113hak_www.ssbbww.com.jpg20181213102133_6113hak_www.ssbbww.com"/>
           <p:cNvPicPr>
             <a:picLocks noChangeAspect="1"/>
           </p:cNvPicPr>
@@ -21709,7 +21688,7 @@
       </p:pic>
       <p:pic>
         <p:nvPicPr>
-          <p:cNvPr id="-2147482430" name="图片 1" descr="C:\Users\linqt\Desktop\新建文件夹 (2)\20181213102208_4715hak_www.ssbbww.com.jpg20181213102208_4715hak_www.ssbbww.com"/>
+          <p:cNvPr id="15" name="图片 1" descr="C:\Users\linqt\Desktop\新建文件夹 (2)\20181213102208_4715hak_www.ssbbww.com.jpg20181213102208_4715hak_www.ssbbww.com"/>
           <p:cNvPicPr>
             <a:picLocks noChangeAspect="1"/>
           </p:cNvPicPr>
@@ -21828,7 +21807,7 @@
       </p:sp>
       <p:pic>
         <p:nvPicPr>
-          <p:cNvPr id="-2147482428" name="图片 1" descr="C:\Users\linqt\Desktop\新建文件夹 (2)\20181213102301_4060hak_www.ssbbww.com.jpg20181213102301_4060hak_www.ssbbww.com"/>
+          <p:cNvPr id="2" name="图片 1" descr="C:\Users\linqt\Desktop\新建文件夹 (2)\20181213102301_4060hak_www.ssbbww.com.jpg20181213102301_4060hak_www.ssbbww.com"/>
           <p:cNvPicPr>
             <a:picLocks noChangeAspect="1"/>
           </p:cNvPicPr>
@@ -21856,7 +21835,7 @@
       </p:pic>
       <p:pic>
         <p:nvPicPr>
-          <p:cNvPr id="-2147482427" name="图片 1" descr="C:\Users\linqt\Desktop\新建文件夹 (2)\20181213102326_6954hak_www.ssbbww.com.jpg20181213102326_6954hak_www.ssbbww.com"/>
+          <p:cNvPr id="3" name="图片 1" descr="C:\Users\linqt\Desktop\新建文件夹 (2)\20181213102326_6954hak_www.ssbbww.com.jpg20181213102326_6954hak_www.ssbbww.com"/>
           <p:cNvPicPr>
             <a:picLocks noChangeAspect="1"/>
           </p:cNvPicPr>
